--- a/docs/Latent Semantic Analysis.pptx
+++ b/docs/Latent Semantic Analysis.pptx
@@ -5,7 +5,7 @@
     <p:sldMasterId id="2147483672" r:id="rId1"/>
   </p:sldMasterIdLst>
   <p:notesMasterIdLst>
-    <p:notesMasterId r:id="rId32"/>
+    <p:notesMasterId r:id="rId33"/>
   </p:notesMasterIdLst>
   <p:sldIdLst>
     <p:sldId id="256" r:id="rId2"/>
@@ -38,6 +38,7 @@
     <p:sldId id="271" r:id="rId29"/>
     <p:sldId id="272" r:id="rId30"/>
     <p:sldId id="273" r:id="rId31"/>
+    <p:sldId id="286" r:id="rId32"/>
   </p:sldIdLst>
   <p:sldSz cx="9144000" cy="6858000" type="screen4x3"/>
   <p:notesSz cx="6858000" cy="9144000"/>
@@ -171,6 +172,7 @@
             <p14:sldId id="271"/>
             <p14:sldId id="272"/>
             <p14:sldId id="273"/>
+            <p14:sldId id="286"/>
           </p14:sldIdLst>
         </p14:section>
       </p14:sectionLst>
@@ -5422,13 +5424,8 @@
             <a:pPr lvl="2"/>
             <a:r>
               <a:rPr lang="en-US" dirty="0" smtClean="0"/>
-              <a:t>Relation between a pair of words should be similar as in text and dictionary’s </a:t>
-            </a:r>
-            <a:r>
-              <a:rPr lang="en-US" dirty="0" smtClean="0"/>
-              <a:t>description</a:t>
-            </a:r>
-            <a:endParaRPr lang="en-US" dirty="0" smtClean="0"/>
+              <a:t>Relation between a pair of words should be similar as in text and dictionary’s description</a:t>
+            </a:r>
           </a:p>
           <a:p>
             <a:pPr lvl="1"/>
@@ -12799,11 +12796,7 @@
           <a:p>
             <a:r>
               <a:rPr lang="en-US" altLang="en-US" dirty="0" smtClean="0"/>
-              <a:t>Recap: vector </a:t>
-            </a:r>
-            <a:r>
-              <a:rPr lang="en-US" altLang="en-US" dirty="0" smtClean="0"/>
-              <a:t>space model</a:t>
+              <a:t>Recap: vector space model</a:t>
             </a:r>
             <a:endParaRPr lang="en-US" altLang="en-US" dirty="0"/>
           </a:p>
@@ -17484,11 +17477,7 @@
           <a:p>
             <a:r>
               <a:rPr lang="en-US" altLang="en-US" sz="3800" dirty="0" smtClean="0"/>
-              <a:t>Recap: what </a:t>
-            </a:r>
-            <a:r>
-              <a:rPr lang="en-US" altLang="en-US" sz="3800" dirty="0" smtClean="0"/>
-              <a:t>is </a:t>
+              <a:t>Recap: what is </a:t>
             </a:r>
             <a:r>
               <a:rPr lang="en-US" altLang="en-US" sz="3800" dirty="0"/>
@@ -18292,6 +18281,201 @@
 </p:sld>
 </file>
 
+<file path=ppt/slides/slide31.xml><?xml version="1.0" encoding="utf-8"?>
+<p:sld xmlns:a="http://schemas.openxmlformats.org/drawingml/2006/main" xmlns:r="http://schemas.openxmlformats.org/officeDocument/2006/relationships" xmlns:p="http://schemas.openxmlformats.org/presentationml/2006/main">
+  <p:cSld>
+    <p:spTree>
+      <p:nvGrpSpPr>
+        <p:cNvPr id="1" name=""/>
+        <p:cNvGrpSpPr/>
+        <p:nvPr/>
+      </p:nvGrpSpPr>
+      <p:grpSpPr>
+        <a:xfrm>
+          <a:off x="0" y="0"/>
+          <a:ext cx="0" cy="0"/>
+          <a:chOff x="0" y="0"/>
+          <a:chExt cx="0" cy="0"/>
+        </a:xfrm>
+      </p:grpSpPr>
+      <p:sp>
+        <p:nvSpPr>
+          <p:cNvPr id="2" name="Title 1"/>
+          <p:cNvSpPr>
+            <a:spLocks noGrp="1"/>
+          </p:cNvSpPr>
+          <p:nvPr>
+            <p:ph type="title"/>
+          </p:nvPr>
+        </p:nvSpPr>
+        <p:spPr/>
+        <p:txBody>
+          <a:bodyPr/>
+          <a:lstStyle/>
+          <a:p>
+            <a:r>
+              <a:rPr lang="en-US" dirty="0" smtClean="0"/>
+              <a:t>Today’s reading</a:t>
+            </a:r>
+            <a:endParaRPr lang="en-US" dirty="0"/>
+          </a:p>
+        </p:txBody>
+      </p:sp>
+      <p:sp>
+        <p:nvSpPr>
+          <p:cNvPr id="3" name="Content Placeholder 2"/>
+          <p:cNvSpPr>
+            <a:spLocks noGrp="1"/>
+          </p:cNvSpPr>
+          <p:nvPr>
+            <p:ph idx="1"/>
+          </p:nvPr>
+        </p:nvSpPr>
+        <p:spPr/>
+        <p:txBody>
+          <a:bodyPr/>
+          <a:lstStyle/>
+          <a:p>
+            <a:r>
+              <a:rPr lang="en-US" dirty="0" smtClean="0"/>
+              <a:t>Chapter 13: Matrix </a:t>
+            </a:r>
+            <a:r>
+              <a:rPr lang="en-US" dirty="0"/>
+              <a:t>decompositions and latent semantic </a:t>
+            </a:r>
+            <a:r>
+              <a:rPr lang="en-US" dirty="0" smtClean="0"/>
+              <a:t>indexing</a:t>
+            </a:r>
+          </a:p>
+          <a:p>
+            <a:pPr lvl="1"/>
+            <a:r>
+              <a:rPr lang="en-US" dirty="0" smtClean="0"/>
+              <a:t>All the chapters!</a:t>
+            </a:r>
+          </a:p>
+          <a:p>
+            <a:r>
+              <a:rPr lang="en-US" dirty="0" err="1"/>
+              <a:t>Deerwester</a:t>
+            </a:r>
+            <a:r>
+              <a:rPr lang="en-US" dirty="0"/>
+              <a:t>, Scott C., et al. "</a:t>
+            </a:r>
+            <a:r>
+              <a:rPr lang="en-US" dirty="0">
+                <a:hlinkClick r:id="rId2"/>
+              </a:rPr>
+              <a:t>Indexing by latent semantic analysis</a:t>
+            </a:r>
+            <a:r>
+              <a:rPr lang="en-US" dirty="0"/>
+              <a:t>." </a:t>
+            </a:r>
+            <a:r>
+              <a:rPr lang="en-US" i="1" dirty="0" err="1"/>
+              <a:t>JAsIs</a:t>
+            </a:r>
+            <a:r>
+              <a:rPr lang="en-US" dirty="0"/>
+              <a:t> 41.6 (1990): 391-407.</a:t>
+            </a:r>
+            <a:endParaRPr lang="en-US" dirty="0"/>
+          </a:p>
+        </p:txBody>
+      </p:sp>
+      <p:sp>
+        <p:nvSpPr>
+          <p:cNvPr id="4" name="Date Placeholder 3"/>
+          <p:cNvSpPr>
+            <a:spLocks noGrp="1"/>
+          </p:cNvSpPr>
+          <p:nvPr>
+            <p:ph type="dt" sz="half" idx="10"/>
+          </p:nvPr>
+        </p:nvSpPr>
+        <p:spPr/>
+        <p:txBody>
+          <a:bodyPr/>
+          <a:lstStyle/>
+          <a:p>
+            <a:r>
+              <a:rPr lang="en-US" smtClean="0"/>
+              <a:t>CS@UVa</a:t>
+            </a:r>
+            <a:endParaRPr lang="en-US"/>
+          </a:p>
+        </p:txBody>
+      </p:sp>
+      <p:sp>
+        <p:nvSpPr>
+          <p:cNvPr id="5" name="Footer Placeholder 4"/>
+          <p:cNvSpPr>
+            <a:spLocks noGrp="1"/>
+          </p:cNvSpPr>
+          <p:nvPr>
+            <p:ph type="ftr" sz="quarter" idx="11"/>
+          </p:nvPr>
+        </p:nvSpPr>
+        <p:spPr/>
+        <p:txBody>
+          <a:bodyPr/>
+          <a:lstStyle/>
+          <a:p>
+            <a:r>
+              <a:rPr lang="en-US" smtClean="0"/>
+              <a:t>CS4501: Information Retrieval</a:t>
+            </a:r>
+            <a:endParaRPr lang="en-US"/>
+          </a:p>
+        </p:txBody>
+      </p:sp>
+      <p:sp>
+        <p:nvSpPr>
+          <p:cNvPr id="6" name="Slide Number Placeholder 5"/>
+          <p:cNvSpPr>
+            <a:spLocks noGrp="1"/>
+          </p:cNvSpPr>
+          <p:nvPr>
+            <p:ph type="sldNum" sz="quarter" idx="12"/>
+          </p:nvPr>
+        </p:nvSpPr>
+        <p:spPr/>
+        <p:txBody>
+          <a:bodyPr/>
+          <a:lstStyle/>
+          <a:p>
+            <a:fld id="{F8CF503B-9254-4CBE-AEB6-4A271B586631}" type="slidenum">
+              <a:rPr lang="en-US" smtClean="0"/>
+              <a:t>31</a:t>
+            </a:fld>
+            <a:endParaRPr lang="en-US"/>
+          </a:p>
+        </p:txBody>
+      </p:sp>
+    </p:spTree>
+    <p:extLst>
+      <p:ext uri="{BB962C8B-B14F-4D97-AF65-F5344CB8AC3E}">
+        <p14:creationId xmlns:p14="http://schemas.microsoft.com/office/powerpoint/2010/main" val="436090839"/>
+      </p:ext>
+    </p:extLst>
+  </p:cSld>
+  <p:clrMapOvr>
+    <a:masterClrMapping/>
+  </p:clrMapOvr>
+  <p:timing>
+    <p:tnLst>
+      <p:par>
+        <p:cTn id="1" dur="indefinite" restart="never" nodeType="tmRoot"/>
+      </p:par>
+    </p:tnLst>
+  </p:timing>
+</p:sld>
+</file>
+
 <file path=ppt/slides/slide4.xml><?xml version="1.0" encoding="utf-8"?>
 <p:sld xmlns:a="http://schemas.openxmlformats.org/drawingml/2006/main" xmlns:r="http://schemas.openxmlformats.org/officeDocument/2006/relationships" xmlns:p="http://schemas.openxmlformats.org/presentationml/2006/main">
   <p:cSld>
@@ -18837,11 +19021,7 @@
           <a:p>
             <a:r>
               <a:rPr lang="en-US" altLang="en-US" dirty="0" smtClean="0"/>
-              <a:t>Recap: IDF </a:t>
-            </a:r>
-            <a:r>
-              <a:rPr lang="en-US" altLang="en-US" dirty="0" smtClean="0"/>
-              <a:t>weighting</a:t>
+              <a:t>Recap: IDF weighting</a:t>
             </a:r>
             <a:endParaRPr lang="en-US" altLang="en-US" dirty="0"/>
           </a:p>
@@ -19726,11 +19906,7 @@
           <a:p>
             <a:r>
               <a:rPr lang="en-US" altLang="en-US" dirty="0" smtClean="0"/>
-              <a:t>Recap: TF-IDF </a:t>
-            </a:r>
-            <a:r>
-              <a:rPr lang="en-US" altLang="en-US" dirty="0" smtClean="0"/>
-              <a:t>weighting</a:t>
+              <a:t>Recap: TF-IDF weighting</a:t>
             </a:r>
             <a:endParaRPr lang="en-US" altLang="en-US" dirty="0"/>
           </a:p>
@@ -20463,11 +20639,7 @@
             </a:r>
             <a:r>
               <a:rPr lang="en-US" dirty="0" smtClean="0"/>
-              <a:t>osine </a:t>
-            </a:r>
-            <a:r>
-              <a:rPr lang="en-US" dirty="0" smtClean="0"/>
-              <a:t>similarity</a:t>
+              <a:t>osine similarity</a:t>
             </a:r>
             <a:endParaRPr lang="en-US" dirty="0"/>
           </a:p>
@@ -22162,19 +22334,7 @@
               <a:rPr lang="en-US" altLang="en-US" dirty="0" smtClean="0">
                 <a:cs typeface="Arial" charset="0"/>
               </a:rPr>
-              <a:t>Recap: </a:t>
-            </a:r>
-            <a:r>
-              <a:rPr lang="en-US" altLang="en-US" dirty="0" smtClean="0">
-                <a:cs typeface="Arial" charset="0"/>
-              </a:rPr>
-              <a:t>disadvantages </a:t>
-            </a:r>
-            <a:r>
-              <a:rPr lang="en-US" altLang="en-US" dirty="0" smtClean="0">
-                <a:cs typeface="Arial" charset="0"/>
-              </a:rPr>
-              <a:t>of VS Model</a:t>
+              <a:t>Recap: disadvantages of VS Model</a:t>
             </a:r>
           </a:p>
         </p:txBody>

--- a/docs/Latent Semantic Analysis.pptx
+++ b/docs/Latent Semantic Analysis.pptx
@@ -277,7 +277,7 @@
           <a:p>
             <a:fld id="{93B75F3E-A3D0-4275-AD4C-D698229737C8}" type="datetimeFigureOut">
               <a:rPr lang="en-US" smtClean="0"/>
-              <a:t>9/20/2015</a:t>
+              <a:t>9/21/2015</a:t>
             </a:fld>
             <a:endParaRPr lang="en-US"/>
           </a:p>
@@ -10749,7 +10749,7 @@
         </p:nvGrpSpPr>
         <p:grpSpPr>
           <a:xfrm>
-            <a:off x="719670" y="2179493"/>
+            <a:off x="719670" y="2190379"/>
             <a:ext cx="7720392" cy="2341022"/>
             <a:chOff x="966408" y="2902858"/>
             <a:chExt cx="7720392" cy="2341022"/>
@@ -11267,8 +11267,8 @@
           </a:p>
         </p:txBody>
       </p:sp>
-      <mc:AlternateContent xmlns:mc="http://schemas.openxmlformats.org/markup-compatibility/2006" xmlns:a14="http://schemas.microsoft.com/office/drawing/2010/main">
-        <mc:Choice Requires="a14">
+      <mc:AlternateContent xmlns:mc="http://schemas.openxmlformats.org/markup-compatibility/2006">
+        <mc:Choice xmlns:a14="http://schemas.microsoft.com/office/drawing/2010/main" Requires="a14">
           <p:sp>
             <p:nvSpPr>
               <p:cNvPr id="3" name="Content Placeholder 2"/>
@@ -11282,7 +11282,7 @@
             <p:spPr/>
             <p:txBody>
               <a:bodyPr>
-                <a:normAutofit fontScale="92500" lnSpcReduction="10000"/>
+                <a:normAutofit fontScale="92500"/>
               </a:bodyPr>
               <a:lstStyle/>
               <a:p>
@@ -11336,7 +11336,15 @@
                 </a14:m>
                 <a:r>
                   <a:rPr lang="en-US" dirty="0" smtClean="0"/>
-                  <a:t> is the term-document adjacency matrix</a:t>
+                  <a:t> is the </a:t>
+                </a:r>
+                <a:r>
+                  <a:rPr lang="en-US" dirty="0" smtClean="0"/>
+                  <a:t>document-term </a:t>
+                </a:r>
+                <a:r>
+                  <a:rPr lang="en-US" dirty="0" smtClean="0"/>
+                  <a:t>adjacency matrix</a:t>
                 </a:r>
               </a:p>
               <a:p>
@@ -11892,53 +11900,15 @@
                               </a:rPr>
                               <m:t>𝑈</m:t>
                             </m:r>
-                            <m:sSup>
-                              <m:sSupPr>
-                                <m:ctrlPr>
-                                  <a:rPr lang="en-US" b="0" i="1" dirty="0" smtClean="0">
-                                    <a:latin typeface="Cambria Math" panose="02040503050406030204" pitchFamily="18" charset="0"/>
-                                  </a:rPr>
-                                </m:ctrlPr>
-                              </m:sSupPr>
-                              <m:e>
-                                <m:r>
-                                  <m:rPr>
-                                    <m:sty m:val="p"/>
-                                  </m:rPr>
-                                  <a:rPr lang="en-US" b="0" i="0" dirty="0" smtClean="0">
-                                    <a:latin typeface="Cambria Math" panose="02040503050406030204" pitchFamily="18" charset="0"/>
-                                  </a:rPr>
-                                  <m:t>Σ</m:t>
-                                </m:r>
-                              </m:e>
-                              <m:sup>
-                                <m:f>
-                                  <m:fPr>
-                                    <m:ctrlPr>
-                                      <a:rPr lang="en-US" b="0" i="1" dirty="0" smtClean="0">
-                                        <a:latin typeface="Cambria Math" panose="02040503050406030204" pitchFamily="18" charset="0"/>
-                                      </a:rPr>
-                                    </m:ctrlPr>
-                                  </m:fPr>
-                                  <m:num>
-                                    <m:r>
-                                      <a:rPr lang="en-US" b="0" i="1" dirty="0" smtClean="0">
-                                        <a:latin typeface="Cambria Math" panose="02040503050406030204" pitchFamily="18" charset="0"/>
-                                      </a:rPr>
-                                      <m:t>1</m:t>
-                                    </m:r>
-                                  </m:num>
-                                  <m:den>
-                                    <m:r>
-                                      <a:rPr lang="en-US" b="0" i="1" dirty="0" smtClean="0">
-                                        <a:latin typeface="Cambria Math" panose="02040503050406030204" pitchFamily="18" charset="0"/>
-                                      </a:rPr>
-                                      <m:t>2</m:t>
-                                    </m:r>
-                                  </m:den>
-                                </m:f>
-                              </m:sup>
-                            </m:sSup>
+                            <m:r>
+                              <m:rPr>
+                                <m:sty m:val="p"/>
+                              </m:rPr>
+                              <a:rPr lang="en-US" b="0" i="0" dirty="0" smtClean="0">
+                                <a:latin typeface="Cambria Math" panose="02040503050406030204" pitchFamily="18" charset="0"/>
+                              </a:rPr>
+                              <m:t>Σ</m:t>
+                            </m:r>
                           </m:e>
                         </m:d>
                       </m:e>
@@ -12004,53 +11974,15 @@
                               </a:rPr>
                               <m:t>𝑈</m:t>
                             </m:r>
-                            <m:sSup>
-                              <m:sSupPr>
-                                <m:ctrlPr>
-                                  <a:rPr lang="en-US" b="0" i="1" dirty="0" smtClean="0">
-                                    <a:latin typeface="Cambria Math" panose="02040503050406030204" pitchFamily="18" charset="0"/>
-                                  </a:rPr>
-                                </m:ctrlPr>
-                              </m:sSupPr>
-                              <m:e>
-                                <m:r>
-                                  <m:rPr>
-                                    <m:sty m:val="p"/>
-                                  </m:rPr>
-                                  <a:rPr lang="en-US" dirty="0">
-                                    <a:latin typeface="Cambria Math" panose="02040503050406030204" pitchFamily="18" charset="0"/>
-                                  </a:rPr>
-                                  <m:t>Σ</m:t>
-                                </m:r>
-                              </m:e>
-                              <m:sup>
-                                <m:f>
-                                  <m:fPr>
-                                    <m:ctrlPr>
-                                      <a:rPr lang="en-US" i="1" dirty="0" smtClean="0">
-                                        <a:latin typeface="Cambria Math" panose="02040503050406030204" pitchFamily="18" charset="0"/>
-                                      </a:rPr>
-                                    </m:ctrlPr>
-                                  </m:fPr>
-                                  <m:num>
-                                    <m:r>
-                                      <a:rPr lang="en-US" b="0" i="1" dirty="0" smtClean="0">
-                                        <a:latin typeface="Cambria Math" panose="02040503050406030204" pitchFamily="18" charset="0"/>
-                                      </a:rPr>
-                                      <m:t>1</m:t>
-                                    </m:r>
-                                  </m:num>
-                                  <m:den>
-                                    <m:r>
-                                      <a:rPr lang="en-US" b="0" i="1" dirty="0" smtClean="0">
-                                        <a:latin typeface="Cambria Math" panose="02040503050406030204" pitchFamily="18" charset="0"/>
-                                      </a:rPr>
-                                      <m:t>2</m:t>
-                                    </m:r>
-                                  </m:den>
-                                </m:f>
-                              </m:sup>
-                            </m:sSup>
+                            <m:r>
+                              <m:rPr>
+                                <m:sty m:val="p"/>
+                              </m:rPr>
+                              <a:rPr lang="en-US" b="0" i="0" dirty="0" smtClean="0">
+                                <a:latin typeface="Cambria Math" panose="02040503050406030204" pitchFamily="18" charset="0"/>
+                              </a:rPr>
+                              <m:t>Σ</m:t>
+                            </m:r>
                           </m:e>
                         </m:d>
                       </m:e>
@@ -12246,7 +12178,7 @@
             </p:txBody>
           </p:sp>
         </mc:Choice>
-        <mc:Fallback xmlns="">
+        <mc:Fallback>
           <p:sp>
             <p:nvSpPr>
               <p:cNvPr id="3" name="Content Placeholder 2"/>
@@ -12261,7 +12193,7 @@
               <a:blipFill rotWithShape="0">
                 <a:blip r:embed="rId2"/>
                 <a:stretch>
-                  <a:fillRect l="-1481" t="-2695" b="-1213"/>
+                  <a:fillRect l="-1481" t="-1617" b="-3504"/>
                 </a:stretch>
               </a:blipFill>
             </p:spPr>
@@ -12288,7 +12220,7 @@
         </p:nvGrpSpPr>
         <p:grpSpPr>
           <a:xfrm>
-            <a:off x="542471" y="247127"/>
+            <a:off x="879320" y="1515612"/>
             <a:ext cx="7720392" cy="2341022"/>
             <a:chOff x="966408" y="2902858"/>
             <a:chExt cx="7720392" cy="2341022"/>
@@ -12478,247 +12410,7 @@
                                           </p:stCondLst>
                                         </p:cTn>
                                         <p:tgtEl>
-                                          <p:spTgt spid="3">
-                                            <p:txEl>
-                                              <p:pRg st="3" end="3"/>
-                                            </p:txEl>
-                                          </p:spTgt>
-                                        </p:tgtEl>
-                                        <p:attrNameLst>
-                                          <p:attrName>style.visibility</p:attrName>
-                                        </p:attrNameLst>
-                                      </p:cBhvr>
-                                      <p:to>
-                                        <p:strVal val="visible"/>
-                                      </p:to>
-                                    </p:set>
-                                  </p:childTnLst>
-                                </p:cTn>
-                              </p:par>
-                            </p:childTnLst>
-                          </p:cTn>
-                        </p:par>
-                      </p:childTnLst>
-                    </p:cTn>
-                  </p:par>
-                  <p:par>
-                    <p:cTn id="7" fill="hold">
-                      <p:stCondLst>
-                        <p:cond delay="indefinite"/>
-                      </p:stCondLst>
-                      <p:childTnLst>
-                        <p:par>
-                          <p:cTn id="8" fill="hold">
-                            <p:stCondLst>
-                              <p:cond delay="0"/>
-                            </p:stCondLst>
-                            <p:childTnLst>
-                              <p:par>
-                                <p:cTn id="9" presetID="1" presetClass="entr" presetSubtype="0" fill="hold" nodeType="clickEffect">
-                                  <p:stCondLst>
-                                    <p:cond delay="0"/>
-                                  </p:stCondLst>
-                                  <p:childTnLst>
-                                    <p:set>
-                                      <p:cBhvr>
-                                        <p:cTn id="10" dur="1" fill="hold">
-                                          <p:stCondLst>
-                                            <p:cond delay="0"/>
-                                          </p:stCondLst>
-                                        </p:cTn>
-                                        <p:tgtEl>
-                                          <p:spTgt spid="3">
-                                            <p:txEl>
-                                              <p:pRg st="4" end="4"/>
-                                            </p:txEl>
-                                          </p:spTgt>
-                                        </p:tgtEl>
-                                        <p:attrNameLst>
-                                          <p:attrName>style.visibility</p:attrName>
-                                        </p:attrNameLst>
-                                      </p:cBhvr>
-                                      <p:to>
-                                        <p:strVal val="visible"/>
-                                      </p:to>
-                                    </p:set>
-                                  </p:childTnLst>
-                                </p:cTn>
-                              </p:par>
-                              <p:par>
-                                <p:cTn id="11" presetID="1" presetClass="entr" presetSubtype="0" fill="hold" nodeType="withEffect">
-                                  <p:stCondLst>
-                                    <p:cond delay="0"/>
-                                  </p:stCondLst>
-                                  <p:childTnLst>
-                                    <p:set>
-                                      <p:cBhvr>
-                                        <p:cTn id="12" dur="1" fill="hold">
-                                          <p:stCondLst>
-                                            <p:cond delay="0"/>
-                                          </p:stCondLst>
-                                        </p:cTn>
-                                        <p:tgtEl>
-                                          <p:spTgt spid="3">
-                                            <p:txEl>
-                                              <p:pRg st="5" end="5"/>
-                                            </p:txEl>
-                                          </p:spTgt>
-                                        </p:tgtEl>
-                                        <p:attrNameLst>
-                                          <p:attrName>style.visibility</p:attrName>
-                                        </p:attrNameLst>
-                                      </p:cBhvr>
-                                      <p:to>
-                                        <p:strVal val="visible"/>
-                                      </p:to>
-                                    </p:set>
-                                  </p:childTnLst>
-                                </p:cTn>
-                              </p:par>
-                              <p:par>
-                                <p:cTn id="13" presetID="1" presetClass="entr" presetSubtype="0" fill="hold" nodeType="withEffect">
-                                  <p:stCondLst>
-                                    <p:cond delay="0"/>
-                                  </p:stCondLst>
-                                  <p:childTnLst>
-                                    <p:set>
-                                      <p:cBhvr>
-                                        <p:cTn id="14" dur="1" fill="hold">
-                                          <p:stCondLst>
-                                            <p:cond delay="0"/>
-                                          </p:stCondLst>
-                                        </p:cTn>
-                                        <p:tgtEl>
-                                          <p:spTgt spid="3">
-                                            <p:txEl>
-                                              <p:pRg st="6" end="6"/>
-                                            </p:txEl>
-                                          </p:spTgt>
-                                        </p:tgtEl>
-                                        <p:attrNameLst>
-                                          <p:attrName>style.visibility</p:attrName>
-                                        </p:attrNameLst>
-                                      </p:cBhvr>
-                                      <p:to>
-                                        <p:strVal val="visible"/>
-                                      </p:to>
-                                    </p:set>
-                                  </p:childTnLst>
-                                </p:cTn>
-                              </p:par>
-                              <p:par>
-                                <p:cTn id="15" presetID="1" presetClass="entr" presetSubtype="0" fill="hold" nodeType="withEffect">
-                                  <p:stCondLst>
-                                    <p:cond delay="0"/>
-                                  </p:stCondLst>
-                                  <p:childTnLst>
-                                    <p:set>
-                                      <p:cBhvr>
-                                        <p:cTn id="16" dur="1" fill="hold">
-                                          <p:stCondLst>
-                                            <p:cond delay="0"/>
-                                          </p:stCondLst>
-                                        </p:cTn>
-                                        <p:tgtEl>
-                                          <p:spTgt spid="3">
-                                            <p:txEl>
-                                              <p:pRg st="7" end="7"/>
-                                            </p:txEl>
-                                          </p:spTgt>
-                                        </p:tgtEl>
-                                        <p:attrNameLst>
-                                          <p:attrName>style.visibility</p:attrName>
-                                        </p:attrNameLst>
-                                      </p:cBhvr>
-                                      <p:to>
-                                        <p:strVal val="visible"/>
-                                      </p:to>
-                                    </p:set>
-                                  </p:childTnLst>
-                                </p:cTn>
-                              </p:par>
-                            </p:childTnLst>
-                          </p:cTn>
-                        </p:par>
-                      </p:childTnLst>
-                    </p:cTn>
-                  </p:par>
-                  <p:par>
-                    <p:cTn id="17" fill="hold">
-                      <p:stCondLst>
-                        <p:cond delay="indefinite"/>
-                      </p:stCondLst>
-                      <p:childTnLst>
-                        <p:par>
-                          <p:cTn id="18" fill="hold">
-                            <p:stCondLst>
-                              <p:cond delay="0"/>
-                            </p:stCondLst>
-                            <p:childTnLst>
-                              <p:par>
-                                <p:cTn id="19" presetID="1" presetClass="entr" presetSubtype="0" fill="hold" nodeType="clickEffect">
-                                  <p:stCondLst>
-                                    <p:cond delay="0"/>
-                                  </p:stCondLst>
-                                  <p:childTnLst>
-                                    <p:set>
-                                      <p:cBhvr>
-                                        <p:cTn id="20" dur="1" fill="hold">
-                                          <p:stCondLst>
-                                            <p:cond delay="0"/>
-                                          </p:stCondLst>
-                                        </p:cTn>
-                                        <p:tgtEl>
                                           <p:spTgt spid="4"/>
-                                        </p:tgtEl>
-                                        <p:attrNameLst>
-                                          <p:attrName>style.visibility</p:attrName>
-                                        </p:attrNameLst>
-                                      </p:cBhvr>
-                                      <p:to>
-                                        <p:strVal val="visible"/>
-                                      </p:to>
-                                    </p:set>
-                                  </p:childTnLst>
-                                </p:cTn>
-                              </p:par>
-                            </p:childTnLst>
-                          </p:cTn>
-                        </p:par>
-                      </p:childTnLst>
-                    </p:cTn>
-                  </p:par>
-                  <p:par>
-                    <p:cTn id="21" fill="hold">
-                      <p:stCondLst>
-                        <p:cond delay="indefinite"/>
-                      </p:stCondLst>
-                      <p:childTnLst>
-                        <p:par>
-                          <p:cTn id="22" fill="hold">
-                            <p:stCondLst>
-                              <p:cond delay="0"/>
-                            </p:stCondLst>
-                            <p:childTnLst>
-                              <p:par>
-                                <p:cTn id="23" presetID="1" presetClass="entr" presetSubtype="0" fill="hold" nodeType="clickEffect">
-                                  <p:stCondLst>
-                                    <p:cond delay="0"/>
-                                  </p:stCondLst>
-                                  <p:childTnLst>
-                                    <p:set>
-                                      <p:cBhvr>
-                                        <p:cTn id="24" dur="1" fill="hold">
-                                          <p:stCondLst>
-                                            <p:cond delay="0"/>
-                                          </p:stCondLst>
-                                        </p:cTn>
-                                        <p:tgtEl>
-                                          <p:spTgt spid="3">
-                                            <p:txEl>
-                                              <p:pRg st="8" end="8"/>
-                                            </p:txEl>
-                                          </p:spTgt>
                                         </p:tgtEl>
                                         <p:attrNameLst>
                                           <p:attrName>style.visibility</p:attrName>
@@ -18383,7 +18075,6 @@
               <a:rPr lang="en-US" dirty="0"/>
               <a:t> 41.6 (1990): 391-407.</a:t>
             </a:r>
-            <a:endParaRPr lang="en-US" dirty="0"/>
           </a:p>
         </p:txBody>
       </p:sp>
